--- a/team3_presentation3.pptx
+++ b/team3_presentation3.pptx
@@ -5,7 +5,7 @@
     <p:sldMasterId id="2147483648" r:id="rId1"/>
   </p:sldMasterIdLst>
   <p:notesMasterIdLst>
-    <p:notesMasterId r:id="rId16"/>
+    <p:notesMasterId r:id="rId18"/>
   </p:notesMasterIdLst>
   <p:sldIdLst>
     <p:sldId id="256" r:id="rId2"/>
@@ -22,6 +22,8 @@
     <p:sldId id="260" r:id="rId13"/>
     <p:sldId id="262" r:id="rId14"/>
     <p:sldId id="264" r:id="rId15"/>
+    <p:sldId id="271" r:id="rId16"/>
+    <p:sldId id="272" r:id="rId17"/>
   </p:sldIdLst>
   <p:sldSz cx="12192000" cy="6858000"/>
   <p:notesSz cx="6858000" cy="9144000"/>
@@ -210,7 +212,7 @@
           <a:p>
             <a:fld id="{7F302BDA-2870-4AFD-AE2E-C0E016830EC3}" type="datetimeFigureOut">
               <a:rPr lang="zh-TW" altLang="en-US" smtClean="0"/>
-              <a:t>2020/11/13</a:t>
+              <a:t>2020/11/24</a:t>
             </a:fld>
             <a:endParaRPr lang="zh-TW" altLang="en-US"/>
           </a:p>
@@ -624,7 +626,7 @@
           <a:p>
             <a:fld id="{25AC5476-398A-44BB-8F85-8B78D84DE4A4}" type="datetimeFigureOut">
               <a:rPr lang="zh-TW" altLang="en-US" smtClean="0"/>
-              <a:t>2020/11/13</a:t>
+              <a:t>2020/11/24</a:t>
             </a:fld>
             <a:endParaRPr lang="zh-TW" altLang="en-US"/>
           </a:p>
@@ -822,7 +824,7 @@
           <a:p>
             <a:fld id="{25AC5476-398A-44BB-8F85-8B78D84DE4A4}" type="datetimeFigureOut">
               <a:rPr lang="zh-TW" altLang="en-US" smtClean="0"/>
-              <a:t>2020/11/13</a:t>
+              <a:t>2020/11/24</a:t>
             </a:fld>
             <a:endParaRPr lang="zh-TW" altLang="en-US"/>
           </a:p>
@@ -1030,7 +1032,7 @@
           <a:p>
             <a:fld id="{25AC5476-398A-44BB-8F85-8B78D84DE4A4}" type="datetimeFigureOut">
               <a:rPr lang="zh-TW" altLang="en-US" smtClean="0"/>
-              <a:t>2020/11/13</a:t>
+              <a:t>2020/11/24</a:t>
             </a:fld>
             <a:endParaRPr lang="zh-TW" altLang="en-US"/>
           </a:p>
@@ -1228,7 +1230,7 @@
           <a:p>
             <a:fld id="{25AC5476-398A-44BB-8F85-8B78D84DE4A4}" type="datetimeFigureOut">
               <a:rPr lang="zh-TW" altLang="en-US" smtClean="0"/>
-              <a:t>2020/11/13</a:t>
+              <a:t>2020/11/24</a:t>
             </a:fld>
             <a:endParaRPr lang="zh-TW" altLang="en-US"/>
           </a:p>
@@ -1503,7 +1505,7 @@
           <a:p>
             <a:fld id="{25AC5476-398A-44BB-8F85-8B78D84DE4A4}" type="datetimeFigureOut">
               <a:rPr lang="zh-TW" altLang="en-US" smtClean="0"/>
-              <a:t>2020/11/13</a:t>
+              <a:t>2020/11/24</a:t>
             </a:fld>
             <a:endParaRPr lang="zh-TW" altLang="en-US"/>
           </a:p>
@@ -1768,7 +1770,7 @@
           <a:p>
             <a:fld id="{25AC5476-398A-44BB-8F85-8B78D84DE4A4}" type="datetimeFigureOut">
               <a:rPr lang="zh-TW" altLang="en-US" smtClean="0"/>
-              <a:t>2020/11/13</a:t>
+              <a:t>2020/11/24</a:t>
             </a:fld>
             <a:endParaRPr lang="zh-TW" altLang="en-US"/>
           </a:p>
@@ -2180,7 +2182,7 @@
           <a:p>
             <a:fld id="{25AC5476-398A-44BB-8F85-8B78D84DE4A4}" type="datetimeFigureOut">
               <a:rPr lang="zh-TW" altLang="en-US" smtClean="0"/>
-              <a:t>2020/11/13</a:t>
+              <a:t>2020/11/24</a:t>
             </a:fld>
             <a:endParaRPr lang="zh-TW" altLang="en-US"/>
           </a:p>
@@ -2321,7 +2323,7 @@
           <a:p>
             <a:fld id="{25AC5476-398A-44BB-8F85-8B78D84DE4A4}" type="datetimeFigureOut">
               <a:rPr lang="zh-TW" altLang="en-US" smtClean="0"/>
-              <a:t>2020/11/13</a:t>
+              <a:t>2020/11/24</a:t>
             </a:fld>
             <a:endParaRPr lang="zh-TW" altLang="en-US"/>
           </a:p>
@@ -2434,7 +2436,7 @@
           <a:p>
             <a:fld id="{25AC5476-398A-44BB-8F85-8B78D84DE4A4}" type="datetimeFigureOut">
               <a:rPr lang="zh-TW" altLang="en-US" smtClean="0"/>
-              <a:t>2020/11/13</a:t>
+              <a:t>2020/11/24</a:t>
             </a:fld>
             <a:endParaRPr lang="zh-TW" altLang="en-US"/>
           </a:p>
@@ -2745,7 +2747,7 @@
           <a:p>
             <a:fld id="{25AC5476-398A-44BB-8F85-8B78D84DE4A4}" type="datetimeFigureOut">
               <a:rPr lang="zh-TW" altLang="en-US" smtClean="0"/>
-              <a:t>2020/11/13</a:t>
+              <a:t>2020/11/24</a:t>
             </a:fld>
             <a:endParaRPr lang="zh-TW" altLang="en-US"/>
           </a:p>
@@ -3033,7 +3035,7 @@
           <a:p>
             <a:fld id="{25AC5476-398A-44BB-8F85-8B78D84DE4A4}" type="datetimeFigureOut">
               <a:rPr lang="zh-TW" altLang="en-US" smtClean="0"/>
-              <a:t>2020/11/13</a:t>
+              <a:t>2020/11/24</a:t>
             </a:fld>
             <a:endParaRPr lang="zh-TW" altLang="en-US"/>
           </a:p>
@@ -3274,7 +3276,7 @@
           <a:p>
             <a:fld id="{25AC5476-398A-44BB-8F85-8B78D84DE4A4}" type="datetimeFigureOut">
               <a:rPr lang="zh-TW" altLang="en-US" smtClean="0"/>
-              <a:t>2020/11/13</a:t>
+              <a:t>2020/11/24</a:t>
             </a:fld>
             <a:endParaRPr lang="zh-TW" altLang="en-US"/>
           </a:p>
@@ -3964,6 +3966,14 @@
   <p:clrMapOvr>
     <a:masterClrMapping/>
   </p:clrMapOvr>
+  <mc:AlternateContent xmlns:mc="http://schemas.openxmlformats.org/markup-compatibility/2006" xmlns:p14="http://schemas.microsoft.com/office/powerpoint/2010/main">
+    <mc:Choice Requires="p14">
+      <p:transition spd="slow" p14:dur="2000"/>
+    </mc:Choice>
+    <mc:Fallback xmlns="">
+      <p:transition spd="slow"/>
+    </mc:Fallback>
+  </mc:AlternateContent>
 </p:sld>
 </file>
 
@@ -4104,6 +4114,14 @@
   <p:clrMapOvr>
     <a:masterClrMapping/>
   </p:clrMapOvr>
+  <mc:AlternateContent xmlns:mc="http://schemas.openxmlformats.org/markup-compatibility/2006" xmlns:p14="http://schemas.microsoft.com/office/powerpoint/2010/main">
+    <mc:Choice Requires="p14">
+      <p:transition spd="slow" p14:dur="2000"/>
+    </mc:Choice>
+    <mc:Fallback xmlns="">
+      <p:transition spd="slow"/>
+    </mc:Fallback>
+  </mc:AlternateContent>
 </p:sld>
 </file>
 
@@ -4196,6 +4214,14 @@
   <p:clrMapOvr>
     <a:masterClrMapping/>
   </p:clrMapOvr>
+  <mc:AlternateContent xmlns:mc="http://schemas.openxmlformats.org/markup-compatibility/2006" xmlns:p14="http://schemas.microsoft.com/office/powerpoint/2010/main">
+    <mc:Choice Requires="p14">
+      <p:transition spd="slow" p14:dur="2000"/>
+    </mc:Choice>
+    <mc:Fallback xmlns="">
+      <p:transition spd="slow"/>
+    </mc:Fallback>
+  </mc:AlternateContent>
 </p:sld>
 </file>
 
@@ -4390,6 +4416,14 @@
   <p:clrMapOvr>
     <a:masterClrMapping/>
   </p:clrMapOvr>
+  <mc:AlternateContent xmlns:mc="http://schemas.openxmlformats.org/markup-compatibility/2006" xmlns:p14="http://schemas.microsoft.com/office/powerpoint/2010/main">
+    <mc:Choice Requires="p14">
+      <p:transition spd="slow" p14:dur="2000"/>
+    </mc:Choice>
+    <mc:Fallback xmlns="">
+      <p:transition spd="slow"/>
+    </mc:Fallback>
+  </mc:AlternateContent>
 </p:sld>
 </file>
 
@@ -4530,6 +4564,198 @@
     <p:extLst>
       <p:ext uri="{BB962C8B-B14F-4D97-AF65-F5344CB8AC3E}">
         <p14:creationId xmlns:p14="http://schemas.microsoft.com/office/powerpoint/2010/main" val="762706942"/>
+      </p:ext>
+    </p:extLst>
+  </p:cSld>
+  <p:clrMapOvr>
+    <a:masterClrMapping/>
+  </p:clrMapOvr>
+  <mc:AlternateContent xmlns:mc="http://schemas.openxmlformats.org/markup-compatibility/2006" xmlns:p14="http://schemas.microsoft.com/office/powerpoint/2010/main">
+    <mc:Choice Requires="p14">
+      <p:transition spd="slow" p14:dur="2000"/>
+    </mc:Choice>
+    <mc:Fallback xmlns="">
+      <p:transition spd="slow"/>
+    </mc:Fallback>
+  </mc:AlternateContent>
+</p:sld>
+</file>
+
+<file path=ppt/slides/slide15.xml><?xml version="1.0" encoding="utf-8"?>
+<p:sld xmlns:a="http://schemas.openxmlformats.org/drawingml/2006/main" xmlns:r="http://schemas.openxmlformats.org/officeDocument/2006/relationships" xmlns:p="http://schemas.openxmlformats.org/presentationml/2006/main">
+  <p:cSld>
+    <p:spTree>
+      <p:nvGrpSpPr>
+        <p:cNvPr id="1" name=""/>
+        <p:cNvGrpSpPr/>
+        <p:nvPr/>
+      </p:nvGrpSpPr>
+      <p:grpSpPr>
+        <a:xfrm>
+          <a:off x="0" y="0"/>
+          <a:ext cx="0" cy="0"/>
+          <a:chOff x="0" y="0"/>
+          <a:chExt cx="0" cy="0"/>
+        </a:xfrm>
+      </p:grpSpPr>
+      <p:sp>
+        <p:nvSpPr>
+          <p:cNvPr id="2" name="標題 1"/>
+          <p:cNvSpPr>
+            <a:spLocks noGrp="1"/>
+          </p:cNvSpPr>
+          <p:nvPr>
+            <p:ph type="title"/>
+          </p:nvPr>
+        </p:nvSpPr>
+        <p:spPr/>
+        <p:txBody>
+          <a:bodyPr/>
+          <a:lstStyle/>
+          <a:p>
+            <a:endParaRPr lang="zh-TW" altLang="en-US"/>
+          </a:p>
+        </p:txBody>
+      </p:sp>
+      <p:sp>
+        <p:nvSpPr>
+          <p:cNvPr id="3" name="內容版面配置區 2"/>
+          <p:cNvSpPr>
+            <a:spLocks noGrp="1"/>
+          </p:cNvSpPr>
+          <p:nvPr>
+            <p:ph idx="1"/>
+          </p:nvPr>
+        </p:nvSpPr>
+        <p:spPr/>
+        <p:txBody>
+          <a:bodyPr/>
+          <a:lstStyle/>
+          <a:p>
+            <a:endParaRPr lang="zh-TW" altLang="en-US"/>
+          </a:p>
+        </p:txBody>
+      </p:sp>
+      <p:pic>
+        <p:nvPicPr>
+          <p:cNvPr id="4" name="圖片 3"/>
+          <p:cNvPicPr>
+            <a:picLocks noChangeAspect="1"/>
+          </p:cNvPicPr>
+          <p:nvPr/>
+        </p:nvPicPr>
+        <p:blipFill>
+          <a:blip r:embed="rId2"/>
+          <a:stretch>
+            <a:fillRect/>
+          </a:stretch>
+        </p:blipFill>
+        <p:spPr>
+          <a:xfrm>
+            <a:off x="552757" y="2057271"/>
+            <a:ext cx="10274128" cy="1425024"/>
+          </a:xfrm>
+          <a:prstGeom prst="rect">
+            <a:avLst/>
+          </a:prstGeom>
+        </p:spPr>
+      </p:pic>
+    </p:spTree>
+    <p:extLst>
+      <p:ext uri="{BB962C8B-B14F-4D97-AF65-F5344CB8AC3E}">
+        <p14:creationId xmlns:p14="http://schemas.microsoft.com/office/powerpoint/2010/main" val="410132188"/>
+      </p:ext>
+    </p:extLst>
+  </p:cSld>
+  <p:clrMapOvr>
+    <a:masterClrMapping/>
+  </p:clrMapOvr>
+</p:sld>
+</file>
+
+<file path=ppt/slides/slide16.xml><?xml version="1.0" encoding="utf-8"?>
+<p:sld xmlns:a="http://schemas.openxmlformats.org/drawingml/2006/main" xmlns:r="http://schemas.openxmlformats.org/officeDocument/2006/relationships" xmlns:p="http://schemas.openxmlformats.org/presentationml/2006/main">
+  <p:cSld>
+    <p:spTree>
+      <p:nvGrpSpPr>
+        <p:cNvPr id="1" name=""/>
+        <p:cNvGrpSpPr/>
+        <p:nvPr/>
+      </p:nvGrpSpPr>
+      <p:grpSpPr>
+        <a:xfrm>
+          <a:off x="0" y="0"/>
+          <a:ext cx="0" cy="0"/>
+          <a:chOff x="0" y="0"/>
+          <a:chExt cx="0" cy="0"/>
+        </a:xfrm>
+      </p:grpSpPr>
+      <p:sp>
+        <p:nvSpPr>
+          <p:cNvPr id="2" name="標題 1"/>
+          <p:cNvSpPr>
+            <a:spLocks noGrp="1"/>
+          </p:cNvSpPr>
+          <p:nvPr>
+            <p:ph type="title"/>
+          </p:nvPr>
+        </p:nvSpPr>
+        <p:spPr/>
+        <p:txBody>
+          <a:bodyPr/>
+          <a:lstStyle/>
+          <a:p>
+            <a:endParaRPr lang="zh-TW" altLang="en-US"/>
+          </a:p>
+        </p:txBody>
+      </p:sp>
+      <p:sp>
+        <p:nvSpPr>
+          <p:cNvPr id="3" name="內容版面配置區 2"/>
+          <p:cNvSpPr>
+            <a:spLocks noGrp="1"/>
+          </p:cNvSpPr>
+          <p:nvPr>
+            <p:ph idx="1"/>
+          </p:nvPr>
+        </p:nvSpPr>
+        <p:spPr/>
+        <p:txBody>
+          <a:bodyPr/>
+          <a:lstStyle/>
+          <a:p>
+            <a:endParaRPr lang="zh-TW" altLang="en-US"/>
+          </a:p>
+        </p:txBody>
+      </p:sp>
+      <p:pic>
+        <p:nvPicPr>
+          <p:cNvPr id="4" name="圖片 3"/>
+          <p:cNvPicPr>
+            <a:picLocks noChangeAspect="1"/>
+          </p:cNvPicPr>
+          <p:nvPr/>
+        </p:nvPicPr>
+        <p:blipFill>
+          <a:blip r:embed="rId2"/>
+          <a:stretch>
+            <a:fillRect/>
+          </a:stretch>
+        </p:blipFill>
+        <p:spPr>
+          <a:xfrm>
+            <a:off x="82771" y="3306182"/>
+            <a:ext cx="12109229" cy="1996613"/>
+          </a:xfrm>
+          <a:prstGeom prst="rect">
+            <a:avLst/>
+          </a:prstGeom>
+        </p:spPr>
+      </p:pic>
+    </p:spTree>
+    <p:extLst>
+      <p:ext uri="{BB962C8B-B14F-4D97-AF65-F5344CB8AC3E}">
+        <p14:creationId xmlns:p14="http://schemas.microsoft.com/office/powerpoint/2010/main" val="579737106"/>
       </p:ext>
     </p:extLst>
   </p:cSld>
